--- a/LectureFiles/cshl/2018/RNASeq_Module3_Lecture.pptx
+++ b/LectureFiles/cshl/2018/RNASeq_Module3_Lecture.pptx
@@ -166,7 +166,7 @@
   </p:defaultTextStyle>
   <p:extLst>
     <p:ext uri="{EFAFB233-063F-42B5-8137-9DF3F51BA10A}">
-      <p15:sldGuideLst xmlns="" xmlns:p15="http://schemas.microsoft.com/office/powerpoint/2012/main">
+      <p15:sldGuideLst xmlns:p15="http://schemas.microsoft.com/office/powerpoint/2012/main" xmlns="">
         <p15:guide id="1" orient="horz" pos="2160">
           <p15:clr>
             <a:srgbClr val="A4A3A4"/>
@@ -286,7 +286,7 @@
               <a:pPr>
                 <a:defRPr/>
               </a:pPr>
-              <a:t>11/13/17</a:t>
+              <a:t>11/13/18</a:t>
             </a:fld>
             <a:endParaRPr lang="en-US"/>
           </a:p>
@@ -493,7 +493,7 @@
               <a:pPr>
                 <a:defRPr/>
               </a:pPr>
-              <a:t>11/13/17</a:t>
+              <a:t>11/13/18</a:t>
             </a:fld>
             <a:endParaRPr lang="en-US"/>
           </a:p>
@@ -4196,7 +4196,7 @@
               <a:pPr>
                 <a:defRPr/>
               </a:pPr>
-              <a:t>11/13/17</a:t>
+              <a:t>11/13/18</a:t>
             </a:fld>
             <a:endParaRPr lang="en-US"/>
           </a:p>
@@ -4930,6 +4930,13 @@
   <p:clrMapOvr>
     <a:masterClrMapping/>
   </p:clrMapOvr>
+  <p:timing>
+    <p:tnLst>
+      <p:par>
+        <p:cTn xmlns:p14="http://schemas.microsoft.com/office/powerpoint/2010/main" id="1" dur="indefinite" restart="never" nodeType="tmRoot"/>
+      </p:par>
+    </p:tnLst>
+  </p:timing>
 </p:sld>
 </file>
 
@@ -6576,11 +6583,25 @@
           <a:lstStyle/>
           <a:p>
             <a:r>
-              <a:rPr lang="en-US" sz="3600" dirty="0">
-                <a:latin typeface="Calibri" charset="0"/>
-                <a:ea typeface="ＭＳ Ｐゴシック" charset="0"/>
-              </a:rPr>
-              <a:t>‘FPKM’ expression estimates vs. ‘raw’ counts</a:t>
+              <a:rPr lang="en-US" sz="3200" dirty="0">
+                <a:latin typeface="Calibri" charset="0"/>
+                <a:ea typeface="ＭＳ Ｐゴシック" charset="0"/>
+              </a:rPr>
+              <a:t>‘</a:t>
+            </a:r>
+            <a:r>
+              <a:rPr lang="en-US" sz="3200" dirty="0" smtClean="0">
+                <a:latin typeface="Calibri" charset="0"/>
+                <a:ea typeface="ＭＳ Ｐゴシック" charset="0"/>
+              </a:rPr>
+              <a:t>FPKM/TPM’ </a:t>
+            </a:r>
+            <a:r>
+              <a:rPr lang="en-US" sz="3200" dirty="0">
+                <a:latin typeface="Calibri" charset="0"/>
+                <a:ea typeface="ＭＳ Ｐゴシック" charset="0"/>
+              </a:rPr>
+              <a:t>expression estimates vs. ‘raw’ counts</a:t>
             </a:r>
           </a:p>
         </p:txBody>
@@ -6636,12 +6657,16 @@
           </a:p>
           <a:p>
             <a:r>
-              <a:rPr lang="en-US" dirty="0">
-                <a:latin typeface="Calibri" charset="0"/>
-                <a:ea typeface="ＭＳ Ｐゴシック" charset="0"/>
-              </a:rPr>
-              <a:t>FPKM</a:t>
-            </a:r>
+              <a:rPr lang="en-US" dirty="0" smtClean="0">
+                <a:latin typeface="Calibri" charset="0"/>
+                <a:ea typeface="ＭＳ Ｐゴシック" charset="0"/>
+              </a:rPr>
+              <a:t>FPKM/TPM</a:t>
+            </a:r>
+            <a:endParaRPr lang="en-US" dirty="0">
+              <a:latin typeface="Calibri" charset="0"/>
+              <a:ea typeface="ＭＳ Ｐゴシック" charset="0"/>
+            </a:endParaRPr>
           </a:p>
           <a:p>
             <a:pPr lvl="1"/>
@@ -7341,12 +7366,47 @@
               <a:defRPr/>
             </a:pPr>
             <a:r>
-              <a:rPr lang="en-US" sz="1600" dirty="0" smtClean="0">
+              <a:rPr lang="en-US" sz="1600" dirty="0" err="1">
                 <a:latin typeface="Calibri"/>
-                <a:ea typeface="+mj-ea"/>
                 <a:cs typeface="Calibri"/>
               </a:rPr>
-              <a:t>Malachi Griffith, Obi Griffith, Jason Walker, Alex Wagner</a:t>
+              <a:t>Kelsy</a:t>
+            </a:r>
+            <a:r>
+              <a:rPr lang="en-US" sz="1600" dirty="0">
+                <a:latin typeface="Calibri"/>
+                <a:cs typeface="Calibri"/>
+              </a:rPr>
+              <a:t> </a:t>
+            </a:r>
+            <a:r>
+              <a:rPr lang="en-US" sz="1600" dirty="0" err="1">
+                <a:latin typeface="Calibri"/>
+                <a:cs typeface="Calibri"/>
+              </a:rPr>
+              <a:t>Cotto</a:t>
+            </a:r>
+            <a:r>
+              <a:rPr lang="en-US" sz="1600" dirty="0">
+                <a:latin typeface="Calibri"/>
+                <a:cs typeface="Calibri"/>
+              </a:rPr>
+              <a:t>, Obi Griffith, Malachi Griffith, </a:t>
+            </a:r>
+          </a:p>
+          <a:p>
+            <a:pPr fontAlgn="auto">
+              <a:spcAft>
+                <a:spcPts val="0"/>
+              </a:spcAft>
+              <a:defRPr/>
+            </a:pPr>
+            <a:r>
+              <a:rPr lang="en-US" sz="1600" dirty="0">
+                <a:latin typeface="Calibri"/>
+                <a:cs typeface="Calibri"/>
+              </a:rPr>
+              <a:t>Alex Wagner, Jason Walker</a:t>
             </a:r>
           </a:p>
           <a:p>
@@ -7390,56 +7450,21 @@
                   </a:solidFill>
                 </a:ln>
                 <a:latin typeface="Calibri"/>
-                <a:ea typeface="+mn-ea"/>
                 <a:cs typeface="Calibri"/>
               </a:rPr>
-              <a:t>November </a:t>
-            </a:r>
-            <a:r>
-              <a:rPr lang="en-US" sz="1400" dirty="0" smtClean="0">
-                <a:ln w="1270">
-                  <a:solidFill>
-                    <a:schemeClr val="tx1">
-                      <a:alpha val="38000"/>
-                    </a:schemeClr>
-                  </a:solidFill>
-                </a:ln>
-                <a:latin typeface="Calibri"/>
-                <a:ea typeface="+mn-ea"/>
-                <a:cs typeface="Calibri"/>
-              </a:rPr>
-              <a:t>7 </a:t>
-            </a:r>
-            <a:r>
-              <a:rPr lang="en-US" sz="1400" dirty="0">
-                <a:ln w="1270">
-                  <a:solidFill>
-                    <a:schemeClr val="tx1">
-                      <a:alpha val="38000"/>
-                    </a:schemeClr>
-                  </a:solidFill>
-                </a:ln>
-                <a:latin typeface="Calibri"/>
-                <a:ea typeface="+mn-ea"/>
-                <a:cs typeface="Calibri"/>
-              </a:rPr>
-              <a:t>- </a:t>
-            </a:r>
-            <a:r>
-              <a:rPr lang="en-US" sz="1400" dirty="0" smtClean="0">
-                <a:ln w="1270">
-                  <a:solidFill>
-                    <a:schemeClr val="tx1">
-                      <a:alpha val="38000"/>
-                    </a:schemeClr>
-                  </a:solidFill>
-                </a:ln>
-                <a:latin typeface="Calibri"/>
-                <a:ea typeface="+mn-ea"/>
-                <a:cs typeface="Calibri"/>
-              </a:rPr>
-              <a:t>18, 2017</a:t>
-            </a:r>
+              <a:t>November 6- 18, 2018</a:t>
+            </a:r>
+            <a:endParaRPr lang="en-US" sz="1400" dirty="0">
+              <a:ln w="1270">
+                <a:solidFill>
+                  <a:schemeClr val="tx1">
+                    <a:alpha val="38000"/>
+                  </a:schemeClr>
+                </a:solidFill>
+              </a:ln>
+              <a:latin typeface="Calibri"/>
+              <a:cs typeface="Calibri"/>
+            </a:endParaRPr>
           </a:p>
         </p:txBody>
       </p:sp>
@@ -8340,6 +8365,59 @@
               <a:latin typeface="Calibri" charset="0"/>
               <a:ea typeface="ＭＳ Ｐゴシック" charset="0"/>
             </a:endParaRPr>
+          </a:p>
+        </p:txBody>
+      </p:sp>
+      <p:sp>
+        <p:nvSpPr>
+          <p:cNvPr id="3" name="Rectangle 2"/>
+          <p:cNvSpPr/>
+          <p:nvPr/>
+        </p:nvSpPr>
+        <p:spPr>
+          <a:xfrm>
+            <a:off x="467544" y="5898758"/>
+            <a:ext cx="8496944" cy="338554"/>
+          </a:xfrm>
+          <a:prstGeom prst="rect">
+            <a:avLst/>
+          </a:prstGeom>
+        </p:spPr>
+        <p:txBody>
+          <a:bodyPr wrap="square">
+            <a:spAutoFit/>
+          </a:bodyPr>
+          <a:lstStyle/>
+          <a:p>
+            <a:r>
+              <a:rPr lang="en-US" sz="1600" dirty="0">
+                <a:hlinkClick r:id="rId3"/>
+              </a:rPr>
+              <a:t>https://genviz.org/</a:t>
+            </a:r>
+            <a:r>
+              <a:rPr lang="en-US" sz="1600" dirty="0" smtClean="0">
+                <a:hlinkClick r:id="rId3"/>
+              </a:rPr>
+              <a:t>module%204</a:t>
+            </a:r>
+            <a:r>
+              <a:rPr lang="en-US" sz="1600" dirty="0">
+                <a:hlinkClick r:id="rId3"/>
+              </a:rPr>
+              <a:t>/0003/12/31/Expression_Profiling_and_Visualization</a:t>
+            </a:r>
+            <a:r>
+              <a:rPr lang="en-US" sz="1600" dirty="0" smtClean="0">
+                <a:hlinkClick r:id="rId3"/>
+              </a:rPr>
+              <a:t>/</a:t>
+            </a:r>
+            <a:r>
+              <a:rPr lang="en-US" sz="1600" dirty="0" smtClean="0"/>
+              <a:t> </a:t>
+            </a:r>
+            <a:endParaRPr lang="en-US" sz="1600" dirty="0"/>
           </a:p>
         </p:txBody>
       </p:sp>

--- a/LectureFiles/cshl/2018/RNASeq_Module3_Lecture.pptx
+++ b/LectureFiles/cshl/2018/RNASeq_Module3_Lecture.pptx
@@ -13,7 +13,7 @@
   <p:sldIdLst>
     <p:sldId id="341" r:id="rId2"/>
     <p:sldId id="513" r:id="rId3"/>
-    <p:sldId id="514" r:id="rId4"/>
+    <p:sldId id="537" r:id="rId4"/>
     <p:sldId id="515" r:id="rId5"/>
     <p:sldId id="516" r:id="rId6"/>
     <p:sldId id="517" r:id="rId7"/>
@@ -286,7 +286,7 @@
               <a:pPr>
                 <a:defRPr/>
               </a:pPr>
-              <a:t>11/13/18</a:t>
+              <a:t>11/14/18</a:t>
             </a:fld>
             <a:endParaRPr lang="en-US"/>
           </a:p>
@@ -493,7 +493,7 @@
               <a:pPr>
                 <a:defRPr/>
               </a:pPr>
-              <a:t>11/13/18</a:t>
+              <a:t>11/14/18</a:t>
             </a:fld>
             <a:endParaRPr lang="en-US"/>
           </a:p>
@@ -4196,7 +4196,7 @@
               <a:pPr>
                 <a:defRPr/>
               </a:pPr>
-              <a:t>11/13/18</a:t>
+              <a:t>11/14/18</a:t>
             </a:fld>
             <a:endParaRPr lang="en-US"/>
           </a:p>
@@ -7454,17 +7454,6 @@
               </a:rPr>
               <a:t>November 6- 18, 2018</a:t>
             </a:r>
-            <a:endParaRPr lang="en-US" sz="1400" dirty="0">
-              <a:ln w="1270">
-                <a:solidFill>
-                  <a:schemeClr val="tx1">
-                    <a:alpha val="38000"/>
-                  </a:schemeClr>
-                </a:solidFill>
-              </a:ln>
-              <a:latin typeface="Calibri"/>
-              <a:cs typeface="Calibri"/>
-            </a:endParaRPr>
           </a:p>
         </p:txBody>
       </p:sp>
@@ -11244,7 +11233,7 @@
           <a:lstStyle/>
           <a:p>
             <a:r>
-              <a:rPr lang="en-US">
+              <a:rPr lang="en-US" dirty="0">
                 <a:latin typeface="Calibri" charset="0"/>
                 <a:ea typeface="ＭＳ Ｐゴシック" charset="0"/>
               </a:rPr>
@@ -11263,10 +11252,15 @@
             <p:ph idx="1"/>
           </p:nvPr>
         </p:nvSpPr>
-        <p:spPr/>
+        <p:spPr>
+          <a:xfrm>
+            <a:off x="152400" y="1584920"/>
+            <a:ext cx="8839200" cy="4724400"/>
+          </a:xfrm>
+        </p:spPr>
         <p:txBody>
           <a:bodyPr>
-            <a:normAutofit lnSpcReduction="10000"/>
+            <a:normAutofit fontScale="92500" lnSpcReduction="10000"/>
           </a:bodyPr>
           <a:lstStyle/>
           <a:p>
@@ -11297,7 +11291,15 @@
             </a:r>
             <a:r>
               <a:rPr lang="en-US" dirty="0" smtClean="0"/>
-              <a:t>2: Alignment </a:t>
+              <a:t>2: </a:t>
+            </a:r>
+            <a:r>
+              <a:rPr lang="en-US" dirty="0"/>
+              <a:t>A</a:t>
+            </a:r>
+            <a:r>
+              <a:rPr lang="en-US" dirty="0" smtClean="0"/>
+              <a:t>lignment </a:t>
             </a:r>
             <a:r>
               <a:rPr lang="en-US" dirty="0"/>
@@ -11323,7 +11325,11 @@
             </a:r>
             <a:r>
               <a:rPr lang="en-US" b="1" dirty="0"/>
-              <a:t>Expression and Differential Expression</a:t>
+              <a:t>Expression and Differential </a:t>
+            </a:r>
+            <a:r>
+              <a:rPr lang="en-US" b="1" dirty="0" smtClean="0"/>
+              <a:t>Expression</a:t>
             </a:r>
           </a:p>
           <a:p>
@@ -11331,20 +11337,30 @@
               <a:defRPr/>
             </a:pPr>
             <a:r>
+              <a:rPr lang="en-US" dirty="0" smtClean="0"/>
+              <a:t>Module 4: Alignment Free Expression Estimation</a:t>
+            </a:r>
+            <a:endParaRPr lang="en-US" dirty="0"/>
+          </a:p>
+          <a:p>
+            <a:pPr>
+              <a:defRPr/>
+            </a:pPr>
+            <a:r>
               <a:rPr lang="en-US" dirty="0"/>
-              <a:t>Module </a:t>
+              <a:t>Module 5</a:t>
             </a:r>
             <a:r>
               <a:rPr lang="en-US" dirty="0" smtClean="0"/>
-              <a:t>4: </a:t>
+              <a:t>: </a:t>
             </a:r>
             <a:r>
               <a:rPr lang="en-US" dirty="0"/>
-              <a:t>Isoform D</a:t>
+              <a:t>Isoform </a:t>
             </a:r>
             <a:r>
               <a:rPr lang="en-US" dirty="0" smtClean="0"/>
-              <a:t>iscovery </a:t>
+              <a:t>Discovery </a:t>
             </a:r>
             <a:r>
               <a:rPr lang="en-US" dirty="0"/>
@@ -11366,6 +11382,7 @@
           </a:p>
           <a:p>
             <a:pPr marL="0" indent="0">
+              <a:buFont typeface="Arial" charset="0"/>
               <a:buNone/>
               <a:defRPr/>
             </a:pPr>
@@ -11495,7 +11512,7 @@
     </p:spTree>
     <p:extLst>
       <p:ext uri="{BB962C8B-B14F-4D97-AF65-F5344CB8AC3E}">
-        <p14:creationId xmlns:p14="http://schemas.microsoft.com/office/powerpoint/2010/main" val="4127094357"/>
+        <p14:creationId xmlns:p14="http://schemas.microsoft.com/office/powerpoint/2010/main" val="3304265066"/>
       </p:ext>
     </p:extLst>
   </p:cSld>
@@ -11554,8 +11571,19 @@
                 <a:latin typeface="Calibri" charset="0"/>
                 <a:ea typeface="ＭＳ Ｐゴシック" charset="0"/>
               </a:rPr>
-              <a:t>Learning Objectives of Module</a:t>
-            </a:r>
+              <a:t>Learning Objectives of </a:t>
+            </a:r>
+            <a:r>
+              <a:rPr lang="en-US" dirty="0" smtClean="0">
+                <a:latin typeface="Calibri" charset="0"/>
+                <a:ea typeface="ＭＳ Ｐゴシック" charset="0"/>
+              </a:rPr>
+              <a:t>Module 3</a:t>
+            </a:r>
+            <a:endParaRPr lang="en-US" dirty="0">
+              <a:latin typeface="Calibri" charset="0"/>
+              <a:ea typeface="ＭＳ Ｐゴシック" charset="0"/>
+            </a:endParaRPr>
           </a:p>
         </p:txBody>
       </p:sp>
